--- a/PURCHASING_POWER_ANALYSIS_FINAL_CORRECTED_1.pptx
+++ b/PURCHASING_POWER_ANALYSIS_FINAL_CORRECTED_1.pptx
@@ -15732,11 +15732,11 @@
             </a:pPr>
             <a:r>
               <a:rPr lang="en-US" sz="1400" dirty="0"/>
-              <a:t>1. Price Multiplier = Current Price / Historical Price = $314.9 / $260.2 = 1.210223... </a:t>
+              <a:t>1. Price Multiplier = Current Price / Historical Price = $324.4 / $260.2 = 1.246471... </a:t>
             </a:r>
             <a:r>
               <a:rPr lang="en-US" sz="1400" b="1" dirty="0"/>
-              <a:t>≈ 1.21</a:t>
+              <a:t>≈ 1.25</a:t>
             </a:r>
           </a:p>
           <a:p>
@@ -15747,11 +15747,11 @@
             </a:pPr>
             <a:r>
               <a:rPr lang="en-US" sz="1400" dirty="0"/>
-              <a:t>2. Cumulative Inflation % = (Price Multiplier - 1) × 100 = (1.210223 - 1) × 100 = 0.210223 × 100 = </a:t>
+              <a:t>2. Cumulative Inflation % = (Price Multiplier - 1) × 100 = (1.246471 - 1) × 100 = 0.246471 × 100 = </a:t>
             </a:r>
             <a:r>
               <a:rPr lang="en-US" sz="1400" b="1" dirty="0"/>
-              <a:t>21.02%</a:t>
+              <a:t>24.65%</a:t>
             </a:r>
           </a:p>
           <a:p>
@@ -15762,11 +15762,11 @@
             </a:pPr>
             <a:r>
               <a:rPr lang="en-US" sz="1400" dirty="0"/>
-              <a:t>3. Annual Avg Rate % = ((Current Price / Historical Price)^(1/Years) - 1) × 100 = ((1.210223)^(1/5) - 1) × 100 = (1.038888... - 1) × 100 = </a:t>
+              <a:t>3. Annual Avg Rate % = ((Current Price / Historical Price)^(1/Years) - 1) × 100 = ((1.246471)^(1/5) - 1) × 100 = (1.046617... - 1) × 100 = </a:t>
             </a:r>
             <a:r>
               <a:rPr lang="en-US" sz="1400" b="1" dirty="0"/>
-              <a:t>3.89%</a:t>
+              <a:t>4.66%</a:t>
             </a:r>
           </a:p>
           <a:p>
@@ -15777,11 +15777,11 @@
             </a:pPr>
             <a:r>
               <a:rPr lang="en-US" sz="1400" dirty="0"/>
-              <a:t>4. Purchasing Power Today ($) = Historical Amount / Price Multiplier = $10 / 1.210223 = $</a:t>
+              <a:t>4. Purchasing Power Today ($) = Historical Amount / Price Multiplier = $10 / 1.246471 = $</a:t>
             </a:r>
             <a:r>
               <a:rPr lang="en-US" sz="1400" b="1" dirty="0"/>
-              <a:t>8.26</a:t>
+              <a:t>8.02</a:t>
             </a:r>
           </a:p>
           <a:p>
@@ -15792,11 +15792,11 @@
             </a:pPr>
             <a:r>
               <a:rPr lang="en-US" sz="1400" dirty="0"/>
-              <a:t>5. Purchasing Power Erosion % = (1 - 1/Price Multiplier) × 100 = (1 - 1/1.210223) × 100 = (1 - 0.826294) × 100 = </a:t>
+              <a:t>5. Purchasing Power Erosion % = (1 - 1/Price Multiplier) × 100 = (1 - 1/1.246471) × 100 = (1 - 0.802265) × 100 = </a:t>
             </a:r>
             <a:r>
               <a:rPr lang="en-US" sz="1400" b="1" dirty="0"/>
-              <a:t>17.37</a:t>
+              <a:t>19.77</a:t>
             </a:r>
             <a:r>
               <a:rPr lang="en-US" sz="1400" dirty="0"/>
@@ -15811,11 +15811,11 @@
             </a:pPr>
             <a:r>
               <a:rPr lang="en-US" sz="1400" dirty="0"/>
-              <a:t>6. Amount Needed Today = Historical Amount × Price Multiplier = $10 × 1.210223 = $</a:t>
+              <a:t>6. Amount Needed Today = Historical Amount × Price Multiplier = $10 × 1.246471 = $</a:t>
             </a:r>
             <a:r>
               <a:rPr lang="en-US" sz="1400" b="1" dirty="0"/>
-              <a:t>12.10</a:t>
+              <a:t>12.46</a:t>
             </a:r>
           </a:p>
         </p:txBody>
@@ -16208,7 +16208,7 @@
                       </a:pPr>
                       <a:r>
                         <a:rPr lang="en-US" b="1"/>
-                        <a:t>$4,131.47</a:t>
+                        <a:t>$4,011.32</a:t>
                       </a:r>
                       <a:endParaRPr lang="en-US"/>
                     </a:p>
@@ -16225,7 +16225,7 @@
                       </a:pPr>
                       <a:r>
                         <a:rPr lang="en-US" dirty="0"/>
-                        <a:t>-$868.53</a:t>
+                        <a:t>-$988.68</a:t>
                       </a:r>
                     </a:p>
                   </a:txBody>
@@ -16264,7 +16264,7 @@
                       </a:pPr>
                       <a:r>
                         <a:rPr lang="en-US" b="1" dirty="0"/>
-                        <a:t>$8,262.94</a:t>
+                        <a:t>$8,022.65</a:t>
                       </a:r>
                       <a:endParaRPr lang="en-US" dirty="0"/>
                     </a:p>
@@ -16281,7 +16281,7 @@
                       </a:pPr>
                       <a:r>
                         <a:rPr lang="en-US" dirty="0"/>
-                        <a:t>-$1,737.06</a:t>
+                        <a:t>-$1,977.35</a:t>
                       </a:r>
                     </a:p>
                   </a:txBody>
@@ -16320,7 +16320,7 @@
                       </a:pPr>
                       <a:r>
                         <a:rPr lang="en-US" b="1"/>
-                        <a:t>$20,657.35</a:t>
+                        <a:t>$20,056.62</a:t>
                       </a:r>
                       <a:endParaRPr lang="en-US"/>
                     </a:p>
@@ -16337,7 +16337,7 @@
                       </a:pPr>
                       <a:r>
                         <a:rPr lang="en-US"/>
-                        <a:t>-$4,342.65</a:t>
+                        <a:t>-$4,943.38</a:t>
                       </a:r>
                     </a:p>
                   </a:txBody>
@@ -16376,7 +16376,7 @@
                       </a:pPr>
                       <a:r>
                         <a:rPr lang="en-US" b="1" dirty="0"/>
-                        <a:t>$41,314.70</a:t>
+                        <a:t>$40,113.24</a:t>
                       </a:r>
                       <a:endParaRPr lang="en-US" dirty="0"/>
                     </a:p>
@@ -16393,7 +16393,7 @@
                       </a:pPr>
                       <a:r>
                         <a:rPr lang="en-US" dirty="0"/>
-                        <a:t>-$8,685.30</a:t>
+                        <a:t>-$9,886.76</a:t>
                       </a:r>
                     </a:p>
                   </a:txBody>
@@ -16943,7 +16943,7 @@
                       </a:pPr>
                       <a:r>
                         <a:rPr lang="en-US" b="1" dirty="0"/>
-                        <a:t>$3,767.86</a:t>
+                        <a:t>$3,658.44</a:t>
                       </a:r>
                       <a:endParaRPr lang="en-US" dirty="0"/>
                     </a:p>
@@ -16960,7 +16960,7 @@
                       </a:pPr>
                       <a:r>
                         <a:rPr lang="en-US"/>
-                        <a:t>-$1,232.14</a:t>
+                        <a:t>-$1,341.56</a:t>
                       </a:r>
                     </a:p>
                   </a:txBody>
@@ -16999,7 +16999,7 @@
                       </a:pPr>
                       <a:r>
                         <a:rPr lang="en-US" b="1"/>
-                        <a:t>$7,535.73</a:t>
+                        <a:t>$7,316.87</a:t>
                       </a:r>
                       <a:endParaRPr lang="en-US"/>
                     </a:p>
@@ -17016,7 +17016,7 @@
                       </a:pPr>
                       <a:r>
                         <a:rPr lang="en-US"/>
-                        <a:t>-$2,464.27</a:t>
+                        <a:t>-$2,683.13</a:t>
                       </a:r>
                     </a:p>
                   </a:txBody>
@@ -17055,7 +17055,7 @@
                       </a:pPr>
                       <a:r>
                         <a:rPr lang="en-US" b="1"/>
-                        <a:t>$18,839.31</a:t>
+                        <a:t>$18,292.19</a:t>
                       </a:r>
                       <a:endParaRPr lang="en-US"/>
                     </a:p>
@@ -17072,7 +17072,7 @@
                       </a:pPr>
                       <a:r>
                         <a:rPr lang="en-US"/>
-                        <a:t>-$6,160.69</a:t>
+                        <a:t>-$6,707.81</a:t>
                       </a:r>
                     </a:p>
                   </a:txBody>
@@ -17111,7 +17111,7 @@
                       </a:pPr>
                       <a:r>
                         <a:rPr lang="en-US" b="1"/>
-                        <a:t>$37,678.63</a:t>
+                        <a:t>$36,584.37</a:t>
                       </a:r>
                       <a:endParaRPr lang="en-US"/>
                     </a:p>
@@ -17128,7 +17128,7 @@
                       </a:pPr>
                       <a:r>
                         <a:rPr lang="en-US" dirty="0"/>
-                        <a:t>-$12,321.37</a:t>
+                        <a:t>-$13,415.63</a:t>
                       </a:r>
                     </a:p>
                   </a:txBody>
@@ -17820,7 +17820,7 @@
                       </a:pPr>
                       <a:r>
                         <a:rPr lang="en-US" b="1" dirty="0"/>
-                        <a:t>$3,137.50</a:t>
+                        <a:t>$3,045.92</a:t>
                       </a:r>
                       <a:endParaRPr lang="en-US" dirty="0"/>
                     </a:p>
@@ -17837,7 +17837,7 @@
                       </a:pPr>
                       <a:r>
                         <a:rPr lang="en-US" dirty="0"/>
-                        <a:t>-$1,862.50</a:t>
+                        <a:t>-$1,954.08</a:t>
                       </a:r>
                     </a:p>
                   </a:txBody>
@@ -17876,7 +17876,7 @@
                       </a:pPr>
                       <a:r>
                         <a:rPr lang="en-US" b="1"/>
-                        <a:t>$6,275.01</a:t>
+                        <a:t>$6,091.85</a:t>
                       </a:r>
                       <a:endParaRPr lang="en-US"/>
                     </a:p>
@@ -17893,7 +17893,7 @@
                       </a:pPr>
                       <a:r>
                         <a:rPr lang="en-US" dirty="0"/>
-                        <a:t>-$3,724.99</a:t>
+                        <a:t>-$3,908.15</a:t>
                       </a:r>
                     </a:p>
                   </a:txBody>
@@ -17932,7 +17932,7 @@
                       </a:pPr>
                       <a:r>
                         <a:rPr lang="en-US" b="1"/>
-                        <a:t>$15,687.52</a:t>
+                        <a:t>$15,229.62</a:t>
                       </a:r>
                       <a:endParaRPr lang="en-US"/>
                     </a:p>
@@ -17949,7 +17949,7 @@
                       </a:pPr>
                       <a:r>
                         <a:rPr lang="en-US"/>
-                        <a:t>-$9,312.48</a:t>
+                        <a:t>-$9,770.38</a:t>
                       </a:r>
                     </a:p>
                   </a:txBody>
@@ -17988,7 +17988,7 @@
                       </a:pPr>
                       <a:r>
                         <a:rPr lang="en-US" b="1"/>
-                        <a:t>$31,375.04</a:t>
+                        <a:t>$30,459.23</a:t>
                       </a:r>
                       <a:endParaRPr lang="en-US"/>
                     </a:p>
@@ -18005,7 +18005,7 @@
                       </a:pPr>
                       <a:r>
                         <a:rPr lang="en-US" dirty="0"/>
-                        <a:t>-$18,624.96</a:t>
+                        <a:t>-$19,540.77</a:t>
                       </a:r>
                     </a:p>
                   </a:txBody>
@@ -18691,7 +18691,7 @@
                       </a:pPr>
                       <a:r>
                         <a:rPr lang="en-US" b="1" dirty="0"/>
-                        <a:t>$2,438.87</a:t>
+                        <a:t>$2,367.68</a:t>
                       </a:r>
                       <a:endParaRPr lang="en-US" dirty="0"/>
                     </a:p>
@@ -18708,7 +18708,7 @@
                       </a:pPr>
                       <a:r>
                         <a:rPr lang="en-US" dirty="0"/>
-                        <a:t>-$2,561.13</a:t>
+                        <a:t>-$2,632.32</a:t>
                       </a:r>
                     </a:p>
                   </a:txBody>
@@ -18747,7 +18747,7 @@
                       </a:pPr>
                       <a:r>
                         <a:rPr lang="en-US" b="1"/>
-                        <a:t>$4,877.74</a:t>
+                        <a:t>$4,735.36</a:t>
                       </a:r>
                       <a:endParaRPr lang="en-US"/>
                     </a:p>
@@ -18764,7 +18764,7 @@
                       </a:pPr>
                       <a:r>
                         <a:rPr lang="en-US"/>
-                        <a:t>-$5,122.26</a:t>
+                        <a:t>-$5,264.64</a:t>
                       </a:r>
                     </a:p>
                   </a:txBody>
@@ -18803,7 +18803,7 @@
                       </a:pPr>
                       <a:r>
                         <a:rPr lang="en-US" b="1"/>
-                        <a:t>$12,194.35</a:t>
+                        <a:t>$11,838.41</a:t>
                       </a:r>
                       <a:endParaRPr lang="en-US"/>
                     </a:p>
@@ -18820,7 +18820,7 @@
                       </a:pPr>
                       <a:r>
                         <a:rPr lang="en-US"/>
-                        <a:t>-$12,805.65</a:t>
+                        <a:t>-$13,161.59</a:t>
                       </a:r>
                     </a:p>
                   </a:txBody>
@@ -18859,7 +18859,7 @@
                       </a:pPr>
                       <a:r>
                         <a:rPr lang="en-US" b="1"/>
-                        <a:t>$24,388.69</a:t>
+                        <a:t>$23,676.81</a:t>
                       </a:r>
                       <a:endParaRPr lang="en-US"/>
                     </a:p>
@@ -18876,7 +18876,7 @@
                       </a:pPr>
                       <a:r>
                         <a:rPr lang="en-US" dirty="0"/>
-                        <a:t>-$25,611.31</a:t>
+                        <a:t>-$26,323.19</a:t>
                       </a:r>
                     </a:p>
                   </a:txBody>
@@ -19374,7 +19374,7 @@
                       </a:pPr>
                       <a:r>
                         <a:rPr lang="en-US" b="1"/>
-                        <a:t>$41,314.70</a:t>
+                        <a:t>$40,113.24</a:t>
                       </a:r>
                       <a:endParaRPr lang="en-US"/>
                     </a:p>
@@ -19391,7 +19391,7 @@
                       </a:pPr>
                       <a:r>
                         <a:rPr lang="en-US" b="1" dirty="0"/>
-                        <a:t>$60,511.15</a:t>
+                        <a:t>$62,323.57</a:t>
                       </a:r>
                       <a:endParaRPr lang="en-US" dirty="0"/>
                     </a:p>
@@ -19431,7 +19431,7 @@
                       </a:pPr>
                       <a:r>
                         <a:rPr lang="en-US" b="1"/>
-                        <a:t>$53,709.11</a:t>
+                        <a:t>$52,147.21</a:t>
                       </a:r>
                       <a:endParaRPr lang="en-US"/>
                     </a:p>
@@ -19448,7 +19448,7 @@
                       </a:pPr>
                       <a:r>
                         <a:rPr lang="en-US" b="1"/>
-                        <a:t>$78,664.49</a:t>
+                        <a:t>$81,020.64</a:t>
                       </a:r>
                       <a:endParaRPr lang="en-US"/>
                     </a:p>
@@ -19488,7 +19488,7 @@
                       </a:pPr>
                       <a:r>
                         <a:rPr lang="en-US" b="1"/>
-                        <a:t>$66,103.52</a:t>
+                        <a:t>$64,181.18</a:t>
                       </a:r>
                       <a:endParaRPr lang="en-US"/>
                     </a:p>
@@ -19505,7 +19505,7 @@
                       </a:pPr>
                       <a:r>
                         <a:rPr lang="en-US" b="1"/>
-                        <a:t>$96,817.83</a:t>
+                        <a:t>$99,717.71</a:t>
                       </a:r>
                       <a:endParaRPr lang="en-US"/>
                     </a:p>
@@ -19545,7 +19545,7 @@
                       </a:pPr>
                       <a:r>
                         <a:rPr lang="en-US" b="1"/>
-                        <a:t>$82,629.41</a:t>
+                        <a:t>$80,226.47</a:t>
                       </a:r>
                       <a:endParaRPr lang="en-US"/>
                     </a:p>
@@ -19562,7 +19562,7 @@
                       </a:pPr>
                       <a:r>
                         <a:rPr lang="en-US" b="1" dirty="0"/>
-                        <a:t>$121,022.29</a:t>
+                        <a:t>$124,647.14</a:t>
                       </a:r>
                       <a:endParaRPr lang="en-US" dirty="0"/>
                     </a:p>
@@ -19995,7 +19995,7 @@
                       </a:pPr>
                       <a:r>
                         <a:rPr lang="en-US" b="1"/>
-                        <a:t>$37,678.63</a:t>
+                        <a:t>$36,584.37</a:t>
                       </a:r>
                       <a:endParaRPr lang="en-US"/>
                     </a:p>
@@ -20012,7 +20012,7 @@
                       </a:pPr>
                       <a:r>
                         <a:rPr lang="en-US" b="1" dirty="0"/>
-                        <a:t>$66,350.61</a:t>
+                        <a:t>$68,335.19</a:t>
                       </a:r>
                       <a:endParaRPr lang="en-US" dirty="0"/>
                     </a:p>
@@ -20052,7 +20052,7 @@
                       </a:pPr>
                       <a:r>
                         <a:rPr lang="en-US" b="1"/>
-                        <a:t>$48,982.22</a:t>
+                        <a:t>$47,559.69</a:t>
                       </a:r>
                       <a:endParaRPr lang="en-US"/>
                     </a:p>
@@ -20069,7 +20069,7 @@
                       </a:pPr>
                       <a:r>
                         <a:rPr lang="en-US" b="1"/>
-                        <a:t>$86,255.79</a:t>
+                        <a:t>$88,835.74</a:t>
                       </a:r>
                       <a:endParaRPr lang="en-US"/>
                     </a:p>
@@ -20109,7 +20109,7 @@
                       </a:pPr>
                       <a:r>
                         <a:rPr lang="en-US" b="1"/>
-                        <a:t>$60,285.81</a:t>
+                        <a:t>$58,535.00</a:t>
                       </a:r>
                       <a:endParaRPr lang="en-US"/>
                     </a:p>
@@ -20126,7 +20126,7 @@
                       </a:pPr>
                       <a:r>
                         <a:rPr lang="en-US" b="1"/>
-                        <a:t>$106,160.98</a:t>
+                        <a:t>$109,336.30</a:t>
                       </a:r>
                       <a:endParaRPr lang="en-US"/>
                     </a:p>
@@ -20166,7 +20166,7 @@
                       </a:pPr>
                       <a:r>
                         <a:rPr lang="en-US" b="1"/>
-                        <a:t>$75,357.26</a:t>
+                        <a:t>$73,168.75</a:t>
                       </a:r>
                       <a:endParaRPr lang="en-US"/>
                     </a:p>
@@ -20183,7 +20183,7 @@
                       </a:pPr>
                       <a:r>
                         <a:rPr lang="en-US" b="1" dirty="0"/>
-                        <a:t>$132,701.22</a:t>
+                        <a:t>$136,670.37</a:t>
                       </a:r>
                       <a:endParaRPr lang="en-US" dirty="0"/>
                     </a:p>
@@ -20739,7 +20739,7 @@
                       </a:pPr>
                       <a:r>
                         <a:rPr lang="en-US" b="1"/>
-                        <a:t>$31,375.04</a:t>
+                        <a:t>$30,459.23</a:t>
                       </a:r>
                       <a:endParaRPr lang="en-US"/>
                     </a:p>
@@ -20756,7 +20756,7 @@
                       </a:pPr>
                       <a:r>
                         <a:rPr lang="en-US" b="1" dirty="0"/>
-                        <a:t>$79,681.17</a:t>
+                        <a:t>$82,076.92</a:t>
                       </a:r>
                       <a:endParaRPr lang="en-US" dirty="0"/>
                     </a:p>
@@ -20796,7 +20796,7 @@
                       </a:pPr>
                       <a:r>
                         <a:rPr lang="en-US" b="1"/>
-                        <a:t>$40,787.55</a:t>
+                        <a:t>$39,597.00</a:t>
                       </a:r>
                       <a:endParaRPr lang="en-US"/>
                     </a:p>
@@ -20813,7 +20813,7 @@
                       </a:pPr>
                       <a:r>
                         <a:rPr lang="en-US" b="1" dirty="0"/>
-                        <a:t>$103,585.53</a:t>
+                        <a:t>$106,700.00</a:t>
                       </a:r>
                       <a:endParaRPr lang="en-US" dirty="0"/>
                     </a:p>
@@ -20853,7 +20853,7 @@
                       </a:pPr>
                       <a:r>
                         <a:rPr lang="en-US" b="1"/>
-                        <a:t>$50,200.06</a:t>
+                        <a:t>$48,734.77</a:t>
                       </a:r>
                       <a:endParaRPr lang="en-US"/>
                     </a:p>
@@ -20870,7 +20870,7 @@
                       </a:pPr>
                       <a:r>
                         <a:rPr lang="en-US" b="1" dirty="0"/>
-                        <a:t>$127,489.88</a:t>
+                        <a:t>$131,323.08</a:t>
                       </a:r>
                       <a:endParaRPr lang="en-US" dirty="0"/>
                     </a:p>
@@ -20910,7 +20910,7 @@
                       </a:pPr>
                       <a:r>
                         <a:rPr lang="en-US" b="1"/>
-                        <a:t>$62,750.08</a:t>
+                        <a:t>$60,918.46</a:t>
                       </a:r>
                       <a:endParaRPr lang="en-US"/>
                     </a:p>
@@ -20927,7 +20927,7 @@
                       </a:pPr>
                       <a:r>
                         <a:rPr lang="en-US" b="1" dirty="0"/>
-                        <a:t>$159,362.35</a:t>
+                        <a:t>$164,153.85</a:t>
                       </a:r>
                       <a:endParaRPr lang="en-US" dirty="0"/>
                     </a:p>
@@ -21360,7 +21360,7 @@
                       </a:pPr>
                       <a:r>
                         <a:rPr lang="en-US" b="1"/>
-                        <a:t>$24,388.69</a:t>
+                        <a:t>$23,676.81</a:t>
                       </a:r>
                       <a:endParaRPr lang="en-US"/>
                     </a:p>
@@ -21377,7 +21377,7 @@
                       </a:pPr>
                       <a:r>
                         <a:rPr lang="en-US" b="1" dirty="0"/>
-                        <a:t>$102,506.51</a:t>
+                        <a:t>$105,588.54</a:t>
                       </a:r>
                       <a:endParaRPr lang="en-US" dirty="0"/>
                     </a:p>
@@ -21417,7 +21417,7 @@
                       </a:pPr>
                       <a:r>
                         <a:rPr lang="en-US" b="1"/>
-                        <a:t>$31,705.30</a:t>
+                        <a:t>$30,779.85</a:t>
                       </a:r>
                       <a:endParaRPr lang="en-US"/>
                     </a:p>
@@ -21434,7 +21434,7 @@
                       </a:pPr>
                       <a:r>
                         <a:rPr lang="en-US" b="1" dirty="0"/>
-                        <a:t>$133,258.46</a:t>
+                        <a:t>$137,265.10</a:t>
                       </a:r>
                       <a:endParaRPr lang="en-US" dirty="0"/>
                     </a:p>
@@ -21474,7 +21474,7 @@
                       </a:pPr>
                       <a:r>
                         <a:rPr lang="en-US" b="1"/>
-                        <a:t>$39,021.91</a:t>
+                        <a:t>$37,882.90</a:t>
                       </a:r>
                       <a:endParaRPr lang="en-US"/>
                     </a:p>
@@ -21491,7 +21491,7 @@
                       </a:pPr>
                       <a:r>
                         <a:rPr lang="en-US" b="1"/>
-                        <a:t>$164,010.42</a:t>
+                        <a:t>$168,941.67</a:t>
                       </a:r>
                       <a:endParaRPr lang="en-US"/>
                     </a:p>
@@ -21531,7 +21531,7 @@
                       </a:pPr>
                       <a:r>
                         <a:rPr lang="en-US" b="1"/>
-                        <a:t>$48,777.39</a:t>
+                        <a:t>$47,353.62</a:t>
                       </a:r>
                       <a:endParaRPr lang="en-US"/>
                     </a:p>
@@ -21548,7 +21548,7 @@
                       </a:pPr>
                       <a:r>
                         <a:rPr lang="en-US" b="1" dirty="0"/>
-                        <a:t>$205,013.02</a:t>
+                        <a:t>$211,177.08</a:t>
                       </a:r>
                       <a:endParaRPr lang="en-US" dirty="0"/>
                     </a:p>
@@ -25417,7 +25417,7 @@
                       </a:pPr>
                       <a:r>
                         <a:rPr lang="en-US"/>
-                        <a:t>$4,131.47</a:t>
+                        <a:t>$4,011.32</a:t>
                       </a:r>
                     </a:p>
                   </a:txBody>
@@ -25433,7 +25433,7 @@
                       </a:pPr>
                       <a:r>
                         <a:rPr lang="en-US"/>
-                        <a:t>$10,553.63</a:t>
+                        <a:t>$10,536.33</a:t>
                       </a:r>
                     </a:p>
                   </a:txBody>
@@ -25472,7 +25472,7 @@
                       </a:pPr>
                       <a:r>
                         <a:rPr lang="en-US"/>
-                        <a:t>$8,262.94</a:t>
+                        <a:t>$8,022.65</a:t>
                       </a:r>
                     </a:p>
                   </a:txBody>
@@ -25488,7 +25488,7 @@
                       </a:pPr>
                       <a:r>
                         <a:rPr lang="en-US"/>
-                        <a:t>$21,107.27</a:t>
+                        <a:t>$21,072.66</a:t>
                       </a:r>
                     </a:p>
                   </a:txBody>
@@ -25527,7 +25527,7 @@
                       </a:pPr>
                       <a:r>
                         <a:rPr lang="en-US"/>
-                        <a:t>$20,657.35</a:t>
+                        <a:t>$20,056.62</a:t>
                       </a:r>
                     </a:p>
                   </a:txBody>
@@ -25543,7 +25543,7 @@
                       </a:pPr>
                       <a:r>
                         <a:rPr lang="en-US"/>
-                        <a:t>$52,768.17</a:t>
+                        <a:t>$52,681.66</a:t>
                       </a:r>
                     </a:p>
                   </a:txBody>
@@ -25582,7 +25582,7 @@
                       </a:pPr>
                       <a:r>
                         <a:rPr lang="en-US"/>
-                        <a:t>$41,314.70</a:t>
+                        <a:t>$40,113.24</a:t>
                       </a:r>
                     </a:p>
                   </a:txBody>
@@ -25598,7 +25598,7 @@
                       </a:pPr>
                       <a:r>
                         <a:rPr lang="en-US" dirty="0"/>
-                        <a:t>$105,536.33</a:t>
+                        <a:t>$105,363.32</a:t>
                       </a:r>
                     </a:p>
                   </a:txBody>
@@ -26073,7 +26073,7 @@
                       </a:pPr>
                       <a:r>
                         <a:rPr lang="en-US"/>
-                        <a:t>$3,767.86</a:t>
+                        <a:t>$3,658.44</a:t>
                       </a:r>
                     </a:p>
                   </a:txBody>
@@ -26089,7 +26089,7 @@
                       </a:pPr>
                       <a:r>
                         <a:rPr lang="en-US" dirty="0"/>
-                        <a:t>$27,232.14</a:t>
+                        <a:t>$27,187.50</a:t>
                       </a:r>
                     </a:p>
                   </a:txBody>
@@ -26128,7 +26128,7 @@
                       </a:pPr>
                       <a:r>
                         <a:rPr lang="en-US"/>
-                        <a:t>$7,535.73</a:t>
+                        <a:t>$7,316.87</a:t>
                       </a:r>
                     </a:p>
                   </a:txBody>
@@ -26144,7 +26144,7 @@
                       </a:pPr>
                       <a:r>
                         <a:rPr lang="en-US"/>
-                        <a:t>$54,464.29</a:t>
+                        <a:t>$54,375.00</a:t>
                       </a:r>
                     </a:p>
                   </a:txBody>
@@ -26183,7 +26183,7 @@
                       </a:pPr>
                       <a:r>
                         <a:rPr lang="en-US"/>
-                        <a:t>$18,839.31</a:t>
+                        <a:t>$18,292.19</a:t>
                       </a:r>
                     </a:p>
                   </a:txBody>
@@ -26199,7 +26199,7 @@
                       </a:pPr>
                       <a:r>
                         <a:rPr lang="en-US"/>
-                        <a:t>$136,160.71</a:t>
+                        <a:t>$135,937.50</a:t>
                       </a:r>
                     </a:p>
                   </a:txBody>
@@ -26238,7 +26238,7 @@
                       </a:pPr>
                       <a:r>
                         <a:rPr lang="en-US"/>
-                        <a:t>$37,678.63</a:t>
+                        <a:t>$36,584.37</a:t>
                       </a:r>
                     </a:p>
                   </a:txBody>
@@ -26254,7 +26254,7 @@
                       </a:pPr>
                       <a:r>
                         <a:rPr lang="en-US" dirty="0"/>
-                        <a:t>$272,321.43</a:t>
+                        <a:t>$271,875.00</a:t>
                       </a:r>
                     </a:p>
                   </a:txBody>
@@ -26735,7 +26735,7 @@
                       </a:pPr>
                       <a:r>
                         <a:rPr lang="en-US"/>
-                        <a:t>$3,137.50</a:t>
+                        <a:t>$3,045.92</a:t>
                       </a:r>
                     </a:p>
                   </a:txBody>
@@ -26751,7 +26751,7 @@
                       </a:pPr>
                       <a:r>
                         <a:rPr lang="en-US" dirty="0"/>
-                        <a:t>$77,215.19</a:t>
+                        <a:t>$77,088.61</a:t>
                       </a:r>
                     </a:p>
                   </a:txBody>
@@ -26790,7 +26790,7 @@
                       </a:pPr>
                       <a:r>
                         <a:rPr lang="en-US"/>
-                        <a:t>$6,275.01</a:t>
+                        <a:t>$6,091.85</a:t>
                       </a:r>
                     </a:p>
                   </a:txBody>
@@ -26806,7 +26806,7 @@
                       </a:pPr>
                       <a:r>
                         <a:rPr lang="en-US"/>
-                        <a:t>$154,430.38</a:t>
+                        <a:t>$154,177.22</a:t>
                       </a:r>
                     </a:p>
                   </a:txBody>
@@ -26845,7 +26845,7 @@
                       </a:pPr>
                       <a:r>
                         <a:rPr lang="en-US"/>
-                        <a:t>$15,687.52</a:t>
+                        <a:t>$15,229.62</a:t>
                       </a:r>
                     </a:p>
                   </a:txBody>
@@ -26861,7 +26861,7 @@
                       </a:pPr>
                       <a:r>
                         <a:rPr lang="en-US"/>
-                        <a:t>$386,075.95</a:t>
+                        <a:t>$385,443.04</a:t>
                       </a:r>
                     </a:p>
                   </a:txBody>
@@ -26900,7 +26900,7 @@
                       </a:pPr>
                       <a:r>
                         <a:rPr lang="en-US"/>
-                        <a:t>$31,375.04</a:t>
+                        <a:t>$30,459.23</a:t>
                       </a:r>
                     </a:p>
                   </a:txBody>
@@ -26916,7 +26916,7 @@
                       </a:pPr>
                       <a:r>
                         <a:rPr lang="en-US" dirty="0"/>
-                        <a:t>$772,151.90</a:t>
+                        <a:t>$770,886.08</a:t>
                       </a:r>
                     </a:p>
                   </a:txBody>
@@ -27391,7 +27391,7 @@
                       </a:pPr>
                       <a:r>
                         <a:rPr lang="en-US"/>
-                        <a:t>$2,438.87</a:t>
+                        <a:t>$2,367.68</a:t>
                       </a:r>
                     </a:p>
                   </a:txBody>
@@ -27446,7 +27446,7 @@
                       </a:pPr>
                       <a:r>
                         <a:rPr lang="en-US"/>
-                        <a:t>$4,877.74</a:t>
+                        <a:t>$4,735.36</a:t>
                       </a:r>
                     </a:p>
                   </a:txBody>
@@ -27501,7 +27501,7 @@
                       </a:pPr>
                       <a:r>
                         <a:rPr lang="en-US"/>
-                        <a:t>$12,194.35</a:t>
+                        <a:t>$11,838.41</a:t>
                       </a:r>
                     </a:p>
                   </a:txBody>
@@ -27556,7 +27556,7 @@
                       </a:pPr>
                       <a:r>
                         <a:rPr lang="en-US"/>
-                        <a:t>$24,388.69</a:t>
+                        <a:t>$23,676.81</a:t>
                       </a:r>
                     </a:p>
                   </a:txBody>
@@ -28176,7 +28176,7 @@
                       </a:pPr>
                       <a:r>
                         <a:rPr lang="en-US"/>
-                        <a:t>$4,957.76</a:t>
+                        <a:t>$4,813.59</a:t>
                       </a:r>
                     </a:p>
                   </a:txBody>
@@ -28192,7 +28192,7 @@
                       </a:pPr>
                       <a:r>
                         <a:rPr lang="en-US" dirty="0"/>
-                        <a:t>$8,573.35</a:t>
+                        <a:t>$8,567.05</a:t>
                       </a:r>
                     </a:p>
                   </a:txBody>
@@ -28247,7 +28247,7 @@
                       </a:pPr>
                       <a:r>
                         <a:rPr lang="en-US"/>
-                        <a:t>$12,394.41</a:t>
+                        <a:t>$12,033.97</a:t>
                       </a:r>
                     </a:p>
                   </a:txBody>
@@ -28263,7 +28263,7 @@
                       </a:pPr>
                       <a:r>
                         <a:rPr lang="en-US" dirty="0"/>
-                        <a:t>$21,433.38</a:t>
+                        <a:t>$21,417.64</a:t>
                       </a:r>
                     </a:p>
                   </a:txBody>
@@ -28318,7 +28318,7 @@
                       </a:pPr>
                       <a:r>
                         <a:rPr lang="en-US"/>
-                        <a:t>$24,788.82</a:t>
+                        <a:t>$24,067.94</a:t>
                       </a:r>
                     </a:p>
                   </a:txBody>
@@ -28334,7 +28334,7 @@
                       </a:pPr>
                       <a:r>
                         <a:rPr lang="en-US"/>
-                        <a:t>$42,866.77</a:t>
+                        <a:t>$42,835.27</a:t>
                       </a:r>
                     </a:p>
                   </a:txBody>
@@ -28389,7 +28389,7 @@
                       </a:pPr>
                       <a:r>
                         <a:rPr lang="en-US"/>
-                        <a:t>$49,577.64</a:t>
+                        <a:t>$48,135.88</a:t>
                       </a:r>
                     </a:p>
                   </a:txBody>
@@ -28405,7 +28405,7 @@
                       </a:pPr>
                       <a:r>
                         <a:rPr lang="en-US" dirty="0"/>
-                        <a:t>$85,733.53</a:t>
+                        <a:t>$85,670.55</a:t>
                       </a:r>
                     </a:p>
                   </a:txBody>
@@ -29059,7 +29059,7 @@
                       </a:pPr>
                       <a:r>
                         <a:rPr lang="en-US"/>
-                        <a:t>$9,042.87</a:t>
+                        <a:t>$8,780.25</a:t>
                       </a:r>
                     </a:p>
                   </a:txBody>
@@ -29075,7 +29075,7 @@
                       </a:pPr>
                       <a:r>
                         <a:rPr lang="en-US"/>
-                        <a:t>$25,137.82</a:t>
+                        <a:t>$25,122.44</a:t>
                       </a:r>
                     </a:p>
                   </a:txBody>
@@ -29130,7 +29130,7 @@
                       </a:pPr>
                       <a:r>
                         <a:rPr lang="en-US"/>
-                        <a:t>$22,607.18</a:t>
+                        <a:t>$21,950.62</a:t>
                       </a:r>
                     </a:p>
                   </a:txBody>
@@ -29146,7 +29146,7 @@
                       </a:pPr>
                       <a:r>
                         <a:rPr lang="en-US"/>
-                        <a:t>$62,844.54</a:t>
+                        <a:t>$62,806.11</a:t>
                       </a:r>
                     </a:p>
                   </a:txBody>
@@ -29201,7 +29201,7 @@
                       </a:pPr>
                       <a:r>
                         <a:rPr lang="en-US"/>
-                        <a:t>$45,214.35</a:t>
+                        <a:t>$43,901.25</a:t>
                       </a:r>
                     </a:p>
                   </a:txBody>
@@ -29217,7 +29217,7 @@
                       </a:pPr>
                       <a:r>
                         <a:rPr lang="en-US"/>
-                        <a:t>$125,689.09</a:t>
+                        <a:t>$125,612.22</a:t>
                       </a:r>
                     </a:p>
                   </a:txBody>
@@ -29272,7 +29272,7 @@
                       </a:pPr>
                       <a:r>
                         <a:rPr lang="en-US"/>
-                        <a:t>$90,428.71</a:t>
+                        <a:t>$87,802.50</a:t>
                       </a:r>
                     </a:p>
                   </a:txBody>
@@ -29288,7 +29288,7 @@
                       </a:pPr>
                       <a:r>
                         <a:rPr lang="en-US" dirty="0"/>
-                        <a:t>$251,378.17</a:t>
+                        <a:t>$251,224.44</a:t>
                       </a:r>
                     </a:p>
                   </a:txBody>
@@ -29787,7 +29787,7 @@
                       </a:pPr>
                       <a:r>
                         <a:rPr lang="en-US"/>
-                        <a:t>$15,060.02</a:t>
+                        <a:t>$14,620.43</a:t>
                       </a:r>
                     </a:p>
                   </a:txBody>
@@ -29803,7 +29803,7 @@
                       </a:pPr>
                       <a:r>
                         <a:rPr lang="en-US"/>
-                        <a:t>$70,970.00</a:t>
+                        <a:t>$70,934.58</a:t>
                       </a:r>
                     </a:p>
                   </a:txBody>
@@ -29858,7 +29858,7 @@
                       </a:pPr>
                       <a:r>
                         <a:rPr lang="en-US"/>
-                        <a:t>$37,650.05</a:t>
+                        <a:t>$36,551.08</a:t>
                       </a:r>
                     </a:p>
                   </a:txBody>
@@ -29874,7 +29874,7 @@
                       </a:pPr>
                       <a:r>
                         <a:rPr lang="en-US"/>
-                        <a:t>$177,424.99</a:t>
+                        <a:t>$177,336.46</a:t>
                       </a:r>
                     </a:p>
                   </a:txBody>
@@ -29929,7 +29929,7 @@
                       </a:pPr>
                       <a:r>
                         <a:rPr lang="en-US"/>
-                        <a:t>$75,300.10</a:t>
+                        <a:t>$73,102.16</a:t>
                       </a:r>
                     </a:p>
                   </a:txBody>
@@ -29945,7 +29945,7 @@
                       </a:pPr>
                       <a:r>
                         <a:rPr lang="en-US"/>
-                        <a:t>$354,849.98</a:t>
+                        <a:t>$354,672.92</a:t>
                       </a:r>
                     </a:p>
                   </a:txBody>
@@ -30000,7 +30000,7 @@
                       </a:pPr>
                       <a:r>
                         <a:rPr lang="en-US"/>
-                        <a:t>$150,600.19</a:t>
+                        <a:t>$146,204.31</a:t>
                       </a:r>
                     </a:p>
                   </a:txBody>
@@ -30016,7 +30016,7 @@
                       </a:pPr>
                       <a:r>
                         <a:rPr lang="en-US" dirty="0"/>
-                        <a:t>$709,699.97</a:t>
+                        <a:t>$709,345.84</a:t>
                       </a:r>
                     </a:p>
                   </a:txBody>
@@ -30515,7 +30515,7 @@
                       </a:pPr>
                       <a:r>
                         <a:rPr lang="en-US"/>
-                        <a:t>$17,559.86</a:t>
+                        <a:t>$17,047.30</a:t>
                       </a:r>
                     </a:p>
                   </a:txBody>
@@ -30586,7 +30586,7 @@
                       </a:pPr>
                       <a:r>
                         <a:rPr lang="en-US"/>
-                        <a:t>$43,899.65</a:t>
+                        <a:t>$42,618.26</a:t>
                       </a:r>
                     </a:p>
                   </a:txBody>
@@ -30657,7 +30657,7 @@
                       </a:pPr>
                       <a:r>
                         <a:rPr lang="en-US"/>
-                        <a:t>$87,799.30</a:t>
+                        <a:t>$85,236.52</a:t>
                       </a:r>
                     </a:p>
                   </a:txBody>
@@ -30728,7 +30728,7 @@
                       </a:pPr>
                       <a:r>
                         <a:rPr lang="en-US"/>
-                        <a:t>$175,598.60</a:t>
+                        <a:t>$170,473.04</a:t>
                       </a:r>
                     </a:p>
                   </a:txBody>

--- a/PURCHASING_POWER_ANALYSIS_FINAL_CORRECTED_1.pptx
+++ b/PURCHASING_POWER_ANALYSIS_FINAL_CORRECTED_1.pptx
@@ -35237,7 +35237,7 @@
                       </a:pPr>
                       <a:r>
                         <a:rPr lang="en-US" dirty="0"/>
-                        <a:t>$327,551.34</a:t>
+                        <a:t>$328,307.69</a:t>
                       </a:r>
                     </a:p>
                   </a:txBody>
@@ -35291,7 +35291,7 @@
                       <a:pPr algn="ctr"/>
                       <a:r>
                         <a:rPr dirty="0"/>
-                        <a:t>$2,996,581.29</a:t>
+                        <a:t>$3,083,544.30</a:t>
                       </a:r>
                     </a:p>
                   </a:txBody>
